--- a/GIS - 6.pptx
+++ b/GIS - 6.pptx
@@ -5,10 +5,10 @@
     <p:sldMasterId id="2147483870" r:id="rId1"/>
   </p:sldMasterIdLst>
   <p:notesMasterIdLst>
-    <p:notesMasterId r:id="rId13"/>
+    <p:notesMasterId r:id="rId12"/>
   </p:notesMasterIdLst>
   <p:handoutMasterIdLst>
-    <p:handoutMasterId r:id="rId14"/>
+    <p:handoutMasterId r:id="rId13"/>
   </p:handoutMasterIdLst>
   <p:sldIdLst>
     <p:sldId id="390" r:id="rId2"/>
@@ -20,8 +20,7 @@
     <p:sldId id="400" r:id="rId8"/>
     <p:sldId id="401" r:id="rId9"/>
     <p:sldId id="402" r:id="rId10"/>
-    <p:sldId id="403" r:id="rId11"/>
-    <p:sldId id="374" r:id="rId12"/>
+    <p:sldId id="374" r:id="rId11"/>
   </p:sldIdLst>
   <p:sldSz cx="12192000" cy="6858000"/>
   <p:notesSz cx="7315200" cy="9601200"/>
@@ -122,7 +121,7 @@
   </p:defaultTextStyle>
   <p:extLst>
     <p:ext uri="{EFAFB233-063F-42B5-8137-9DF3F51BA10A}">
-      <p15:sldGuideLst xmlns:p15="http://schemas.microsoft.com/office/powerpoint/2012/main" xmlns="">
+      <p15:sldGuideLst xmlns="" xmlns:p15="http://schemas.microsoft.com/office/powerpoint/2012/main">
         <p15:guide id="1" orient="horz" pos="2160">
           <p15:clr>
             <a:srgbClr val="A4A3A4"/>
@@ -136,7 +135,7 @@
       </p15:sldGuideLst>
     </p:ext>
     <p:ext uri="{2D200454-40CA-4A62-9FC3-DE9A4176ACB9}">
-      <p15:notesGuideLst xmlns:p15="http://schemas.microsoft.com/office/powerpoint/2012/main" xmlns="">
+      <p15:notesGuideLst xmlns="" xmlns:p15="http://schemas.microsoft.com/office/powerpoint/2012/main">
         <p15:guide id="1" orient="horz" pos="3024">
           <p15:clr>
             <a:srgbClr val="A4A3A4"/>
@@ -236,7 +235,7 @@
             <a:fld id="{C5EE45E9-197A-47B1-AEF3-F977D17F169E}" type="datetimeFigureOut">
               <a:rPr lang="en-US" smtClean="0"/>
               <a:pPr/>
-              <a:t>2/25/2024</a:t>
+              <a:t>2/27/2024</a:t>
             </a:fld>
             <a:endParaRPr lang="en-US"/>
           </a:p>
@@ -403,7 +402,7 @@
             <a:fld id="{5DAE0583-90E0-4DC7-97CC-66F8E7253EC8}" type="datetimeFigureOut">
               <a:rPr lang="en-US" smtClean="0"/>
               <a:pPr/>
-              <a:t>2/25/2024</a:t>
+              <a:t>2/27/2024</a:t>
             </a:fld>
             <a:endParaRPr lang="en-US"/>
           </a:p>
@@ -1418,7 +1417,7 @@
             <a:fld id="{2B7B289A-B170-474C-83BE-E43F8EECF514}" type="datetime1">
               <a:rPr lang="en-US" smtClean="0"/>
               <a:pPr/>
-              <a:t>2/25/2024</a:t>
+              <a:t>2/27/2024</a:t>
             </a:fld>
             <a:endParaRPr lang="en-US" dirty="0"/>
           </a:p>
@@ -1681,7 +1680,7 @@
             <a:fld id="{EE82F729-F9EB-46E1-B6CA-A9DC3E44D512}" type="datetime1">
               <a:rPr lang="en-US" smtClean="0"/>
               <a:pPr/>
-              <a:t>2/25/2024</a:t>
+              <a:t>2/27/2024</a:t>
             </a:fld>
             <a:endParaRPr lang="en-US" dirty="0"/>
           </a:p>
@@ -2005,7 +2004,7 @@
             <a:fld id="{EE82F729-F9EB-46E1-B6CA-A9DC3E44D512}" type="datetime1">
               <a:rPr lang="en-US" smtClean="0"/>
               <a:pPr/>
-              <a:t>2/25/2024</a:t>
+              <a:t>2/27/2024</a:t>
             </a:fld>
             <a:endParaRPr lang="en-US" dirty="0"/>
           </a:p>
@@ -2348,7 +2347,7 @@
             <a:fld id="{EE82F729-F9EB-46E1-B6CA-A9DC3E44D512}" type="datetime1">
               <a:rPr lang="en-US" smtClean="0"/>
               <a:pPr/>
-              <a:t>2/25/2024</a:t>
+              <a:t>2/27/2024</a:t>
             </a:fld>
             <a:endParaRPr lang="en-US" dirty="0"/>
           </a:p>
@@ -2672,7 +2671,7 @@
             <a:fld id="{EE82F729-F9EB-46E1-B6CA-A9DC3E44D512}" type="datetime1">
               <a:rPr lang="en-US" smtClean="0"/>
               <a:pPr/>
-              <a:t>2/25/2024</a:t>
+              <a:t>2/27/2024</a:t>
             </a:fld>
             <a:endParaRPr lang="en-US" dirty="0"/>
           </a:p>
@@ -3075,7 +3074,7 @@
             <a:fld id="{EE82F729-F9EB-46E1-B6CA-A9DC3E44D512}" type="datetime1">
               <a:rPr lang="en-US" smtClean="0"/>
               <a:pPr/>
-              <a:t>2/25/2024</a:t>
+              <a:t>2/27/2024</a:t>
             </a:fld>
             <a:endParaRPr lang="en-US" dirty="0"/>
           </a:p>
@@ -3255,7 +3254,7 @@
             <a:fld id="{5A08E5B7-8E49-49B7-9AF5-D247E978963C}" type="datetime1">
               <a:rPr lang="en-US" smtClean="0"/>
               <a:pPr/>
-              <a:t>2/25/2024</a:t>
+              <a:t>2/27/2024</a:t>
             </a:fld>
             <a:endParaRPr lang="en-US" dirty="0"/>
           </a:p>
@@ -3447,7 +3446,7 @@
             <a:fld id="{9C053B17-04CC-42A2-A241-5129679C85A6}" type="datetime1">
               <a:rPr lang="en-US" smtClean="0"/>
               <a:pPr/>
-              <a:t>2/25/2024</a:t>
+              <a:t>2/27/2024</a:t>
             </a:fld>
             <a:endParaRPr lang="en-US" dirty="0"/>
           </a:p>
@@ -3629,7 +3628,7 @@
             <a:fld id="{71B1DC2A-56D1-4C31-9B84-F9D15B143A33}" type="datetime1">
               <a:rPr lang="en-US" smtClean="0"/>
               <a:pPr/>
-              <a:t>2/25/2024</a:t>
+              <a:t>2/27/2024</a:t>
             </a:fld>
             <a:endParaRPr lang="en-US" dirty="0"/>
           </a:p>
@@ -3888,7 +3887,7 @@
             <a:fld id="{F7B65DBE-61D1-4D82-8498-7BFFAD803BD2}" type="datetime1">
               <a:rPr lang="en-US" smtClean="0"/>
               <a:pPr/>
-              <a:t>2/25/2024</a:t>
+              <a:t>2/27/2024</a:t>
             </a:fld>
             <a:endParaRPr lang="en-US" dirty="0"/>
           </a:p>
@@ -4132,7 +4131,7 @@
             <a:fld id="{124BA780-7598-4459-A56B-D5F18339AB95}" type="datetime1">
               <a:rPr lang="en-US" smtClean="0"/>
               <a:pPr/>
-              <a:t>2/25/2024</a:t>
+              <a:t>2/27/2024</a:t>
             </a:fld>
             <a:endParaRPr lang="en-US" dirty="0"/>
           </a:p>
@@ -4518,7 +4517,7 @@
             <a:fld id="{5A6A054B-9EDA-43CD-B58C-33F3FA6837D0}" type="datetime1">
               <a:rPr lang="en-US" smtClean="0"/>
               <a:pPr/>
-              <a:t>2/25/2024</a:t>
+              <a:t>2/27/2024</a:t>
             </a:fld>
             <a:endParaRPr lang="en-US" dirty="0"/>
           </a:p>
@@ -4653,7 +4652,7 @@
             <a:fld id="{1FBCB103-F5FD-428B-B1C8-7D2EEAB33FFC}" type="datetime1">
               <a:rPr lang="en-US" smtClean="0"/>
               <a:pPr/>
-              <a:t>2/25/2024</a:t>
+              <a:t>2/27/2024</a:t>
             </a:fld>
             <a:endParaRPr lang="en-US" dirty="0"/>
           </a:p>
@@ -4760,7 +4759,7 @@
             <a:fld id="{99EC991E-AB61-4D79-94B3-8A4F23AC4641}" type="datetime1">
               <a:rPr lang="en-US" smtClean="0"/>
               <a:pPr/>
-              <a:t>2/25/2024</a:t>
+              <a:t>2/27/2024</a:t>
             </a:fld>
             <a:endParaRPr lang="en-US" dirty="0"/>
           </a:p>
@@ -5027,7 +5026,7 @@
             <a:fld id="{F56C0871-8C3E-4CBE-9C42-C92608223F22}" type="datetime1">
               <a:rPr lang="en-US" smtClean="0"/>
               <a:pPr/>
-              <a:t>2/25/2024</a:t>
+              <a:t>2/27/2024</a:t>
             </a:fld>
             <a:endParaRPr lang="en-US" dirty="0"/>
           </a:p>
@@ -5345,7 +5344,7 @@
             <a:fld id="{6661CC78-3771-4E36-859D-28880DA8B573}" type="datetime1">
               <a:rPr lang="en-US" smtClean="0"/>
               <a:pPr/>
-              <a:t>2/25/2024</a:t>
+              <a:t>2/27/2024</a:t>
             </a:fld>
             <a:endParaRPr lang="en-US" dirty="0"/>
           </a:p>
@@ -6058,7 +6057,7 @@
             <a:fld id="{EE82F729-F9EB-46E1-B6CA-A9DC3E44D512}" type="datetime1">
               <a:rPr lang="en-US" smtClean="0"/>
               <a:pPr/>
-              <a:t>2/25/2024</a:t>
+              <a:t>2/27/2024</a:t>
             </a:fld>
             <a:endParaRPr lang="en-US" dirty="0"/>
           </a:p>
@@ -6779,82 +6778,6 @@
             <p:ph type="title"/>
           </p:nvPr>
         </p:nvSpPr>
-        <p:spPr/>
-        <p:txBody>
-          <a:bodyPr/>
-          <a:lstStyle/>
-          <a:p>
-            <a:endParaRPr lang="en-US"/>
-          </a:p>
-        </p:txBody>
-      </p:sp>
-      <p:sp>
-        <p:nvSpPr>
-          <p:cNvPr id="3" name="Slide Number Placeholder 2"/>
-          <p:cNvSpPr>
-            <a:spLocks noGrp="1"/>
-          </p:cNvSpPr>
-          <p:nvPr>
-            <p:ph type="sldNum" sz="quarter" idx="12"/>
-          </p:nvPr>
-        </p:nvSpPr>
-        <p:spPr/>
-        <p:txBody>
-          <a:bodyPr/>
-          <a:lstStyle/>
-          <a:p>
-            <a:fld id="{D57F1E4F-1CFF-5643-939E-217C01CDF565}" type="slidenum">
-              <a:rPr lang="en-US" smtClean="0"/>
-              <a:pPr/>
-              <a:t>10</a:t>
-            </a:fld>
-            <a:endParaRPr lang="en-US" dirty="0"/>
-          </a:p>
-        </p:txBody>
-      </p:sp>
-    </p:spTree>
-    <p:extLst>
-      <p:ext uri="{BB962C8B-B14F-4D97-AF65-F5344CB8AC3E}">
-        <p14:creationId xmlns:p14="http://schemas.microsoft.com/office/powerpoint/2010/main" val="2388182715"/>
-      </p:ext>
-    </p:extLst>
-  </p:cSld>
-  <p:clrMapOvr>
-    <a:masterClrMapping/>
-  </p:clrMapOvr>
-  <p:transition>
-    <p:wedge/>
-  </p:transition>
-</p:sld>
-</file>
-
-<file path=ppt/slides/slide11.xml><?xml version="1.0" encoding="utf-8"?>
-<p:sld xmlns:a="http://schemas.openxmlformats.org/drawingml/2006/main" xmlns:r="http://schemas.openxmlformats.org/officeDocument/2006/relationships" xmlns:p="http://schemas.openxmlformats.org/presentationml/2006/main">
-  <p:cSld>
-    <p:spTree>
-      <p:nvGrpSpPr>
-        <p:cNvPr id="1" name=""/>
-        <p:cNvGrpSpPr/>
-        <p:nvPr/>
-      </p:nvGrpSpPr>
-      <p:grpSpPr>
-        <a:xfrm>
-          <a:off x="0" y="0"/>
-          <a:ext cx="0" cy="0"/>
-          <a:chOff x="0" y="0"/>
-          <a:chExt cx="0" cy="0"/>
-        </a:xfrm>
-      </p:grpSpPr>
-      <p:sp>
-        <p:nvSpPr>
-          <p:cNvPr id="2" name="Title 1"/>
-          <p:cNvSpPr>
-            <a:spLocks noGrp="1"/>
-          </p:cNvSpPr>
-          <p:nvPr>
-            <p:ph type="title"/>
-          </p:nvPr>
-        </p:nvSpPr>
         <p:spPr>
           <a:xfrm>
             <a:off x="2592924" y="624109"/>
@@ -6905,7 +6828,7 @@
             <a:fld id="{D57F1E4F-1CFF-5643-939E-217C01CDF565}" type="slidenum">
               <a:rPr lang="en-US" smtClean="0"/>
               <a:pPr/>
-              <a:t>11</a:t>
+              <a:t>10</a:t>
             </a:fld>
             <a:endParaRPr lang="en-US" dirty="0"/>
           </a:p>
@@ -7153,7 +7076,7 @@
         <p:spPr>
           <a:xfrm>
             <a:off x="644770" y="515815"/>
-            <a:ext cx="8698522" cy="715108"/>
+            <a:ext cx="8932984" cy="715108"/>
           </a:xfrm>
           <a:prstGeom prst="rect">
             <a:avLst/>
@@ -7179,27 +7102,13 @@
           <a:p>
             <a:pPr algn="ctr"/>
             <a:r>
-              <a:rPr lang="en-US" sz="2800" b="1" dirty="0" smtClean="0">
+              <a:rPr lang="en-US" sz="2400" b="1" dirty="0" smtClean="0">
                 <a:latin typeface="Times New Roman" pitchFamily="18" charset="0"/>
                 <a:cs typeface="Times New Roman" pitchFamily="18" charset="0"/>
               </a:rPr>
-              <a:t>Importance Aspects  in the </a:t>
-            </a:r>
-            <a:r>
-              <a:rPr lang="en-US" sz="2800" b="1" dirty="0">
-                <a:latin typeface="Times New Roman" pitchFamily="18" charset="0"/>
-                <a:cs typeface="Times New Roman" pitchFamily="18" charset="0"/>
-              </a:rPr>
-              <a:t>D</a:t>
-            </a:r>
-            <a:r>
-              <a:rPr lang="en-US" sz="2800" b="1" dirty="0" smtClean="0">
-                <a:latin typeface="Times New Roman" pitchFamily="18" charset="0"/>
-                <a:cs typeface="Times New Roman" pitchFamily="18" charset="0"/>
-              </a:rPr>
-              <a:t>esign of out Maps</a:t>
-            </a:r>
-            <a:endParaRPr lang="en-US" sz="2800" b="1" dirty="0">
+              <a:t>IMPORTANCE ASPECTS  IN THE DESIGN OF OUT MAPS</a:t>
+            </a:r>
+            <a:endParaRPr lang="en-US" sz="2400" b="1" dirty="0">
               <a:latin typeface="Times New Roman" pitchFamily="18" charset="0"/>
               <a:cs typeface="Times New Roman" pitchFamily="18" charset="0"/>
             </a:endParaRPr>
@@ -8966,7 +8875,7 @@
   <a:extraClrSchemeLst/>
   <a:extLst>
     <a:ext uri="{05A4C25C-085E-4340-85A3-A5531E510DB2}">
-      <thm15:themeFamily xmlns:thm15="http://schemas.microsoft.com/office/thememl/2012/main" xmlns="" name="Facet" id="{C0C680CD-088A-49FC-A102-D699147F32B2}" vid="{0B5AB586-D108-4FC1-8368-649FE654B894}"/>
+      <thm15:themeFamily xmlns="" xmlns:thm15="http://schemas.microsoft.com/office/thememl/2012/main" name="Facet" id="{C0C680CD-088A-49FC-A102-D699147F32B2}" vid="{0B5AB586-D108-4FC1-8368-649FE654B894}"/>
     </a:ext>
   </a:extLst>
 </a:theme>
@@ -9227,7 +9136,7 @@
   <a:extraClrSchemeLst/>
   <a:extLst>
     <a:ext uri="{05A4C25C-085E-4340-85A3-A5531E510DB2}">
-      <thm15:themeFamily xmlns:thm15="http://schemas.microsoft.com/office/thememl/2012/main" xmlns="" name="Office Theme" id="{62F939B6-93AF-4DB8-9C6B-D6C7DFDC589F}" vid="{4A3C46E8-61CC-4603-A589-7422A47A8E4A}"/>
+      <thm15:themeFamily xmlns="" xmlns:thm15="http://schemas.microsoft.com/office/thememl/2012/main" name="Office Theme" id="{62F939B6-93AF-4DB8-9C6B-D6C7DFDC589F}" vid="{4A3C46E8-61CC-4603-A589-7422A47A8E4A}"/>
     </a:ext>
   </a:extLst>
 </a:theme>
@@ -9488,7 +9397,7 @@
   <a:extraClrSchemeLst/>
   <a:extLst>
     <a:ext uri="{05A4C25C-085E-4340-85A3-A5531E510DB2}">
-      <thm15:themeFamily xmlns:thm15="http://schemas.microsoft.com/office/thememl/2012/main" xmlns="" name="Office Theme" id="{62F939B6-93AF-4DB8-9C6B-D6C7DFDC589F}" vid="{4A3C46E8-61CC-4603-A589-7422A47A8E4A}"/>
+      <thm15:themeFamily xmlns="" xmlns:thm15="http://schemas.microsoft.com/office/thememl/2012/main" name="Office Theme" id="{62F939B6-93AF-4DB8-9C6B-D6C7DFDC589F}" vid="{4A3C46E8-61CC-4603-A589-7422A47A8E4A}"/>
     </a:ext>
   </a:extLst>
 </a:theme>
